--- a/Project Presentation.pptx
+++ b/Project Presentation.pptx
@@ -117,11 +117,74 @@
 <pc:chgInfo xmlns:a="http://schemas.openxmlformats.org/drawingml/2006/main" xmlns:r="http://schemas.openxmlformats.org/officeDocument/2006/relationships" xmlns:ac="http://schemas.microsoft.com/office/drawing/2013/main/command" xmlns:pc="http://schemas.microsoft.com/office/powerpoint/2013/main/command">
   <pc:docChgLst>
     <pc:chgData name="Sagiv Levi" userId="acaf76a2d73682d4" providerId="LiveId" clId="{EA366C6F-594E-44F5-A838-4FCB63BAA8D0}"/>
-    <pc:docChg chg="modSld">
-      <pc:chgData name="Sagiv Levi" userId="acaf76a2d73682d4" providerId="LiveId" clId="{EA366C6F-594E-44F5-A838-4FCB63BAA8D0}" dt="2025-10-26T20:10:50.349" v="822" actId="14838"/>
+    <pc:docChg chg="undo custSel modSld">
+      <pc:chgData name="Sagiv Levi" userId="acaf76a2d73682d4" providerId="LiveId" clId="{EA366C6F-594E-44F5-A838-4FCB63BAA8D0}" dt="2025-11-18T10:31:29.919" v="969" actId="20577"/>
       <pc:docMkLst>
         <pc:docMk/>
       </pc:docMkLst>
+      <pc:sldChg chg="addSp delSp modSp mod">
+        <pc:chgData name="Sagiv Levi" userId="acaf76a2d73682d4" providerId="LiveId" clId="{EA366C6F-594E-44F5-A838-4FCB63BAA8D0}" dt="2025-11-18T10:31:29.919" v="969" actId="20577"/>
+        <pc:sldMkLst>
+          <pc:docMk/>
+          <pc:sldMk cId="3741357897" sldId="256"/>
+        </pc:sldMkLst>
+        <pc:spChg chg="add mod">
+          <ac:chgData name="Sagiv Levi" userId="acaf76a2d73682d4" providerId="LiveId" clId="{EA366C6F-594E-44F5-A838-4FCB63BAA8D0}" dt="2025-11-18T10:30:15.933" v="953" actId="1076"/>
+          <ac:spMkLst>
+            <pc:docMk/>
+            <pc:sldMk cId="3741357897" sldId="256"/>
+            <ac:spMk id="3" creationId="{CE68C7B7-7E08-810D-6931-8BE3CAB47C47}"/>
+          </ac:spMkLst>
+        </pc:spChg>
+        <pc:spChg chg="mod">
+          <ac:chgData name="Sagiv Levi" userId="acaf76a2d73682d4" providerId="LiveId" clId="{EA366C6F-594E-44F5-A838-4FCB63BAA8D0}" dt="2025-11-18T10:31:29.919" v="969" actId="20577"/>
+          <ac:spMkLst>
+            <pc:docMk/>
+            <pc:sldMk cId="3741357897" sldId="256"/>
+            <ac:spMk id="22" creationId="{E382C25B-8918-06EC-FA7F-D0276DB7C164}"/>
+          </ac:spMkLst>
+        </pc:spChg>
+        <pc:spChg chg="mod">
+          <ac:chgData name="Sagiv Levi" userId="acaf76a2d73682d4" providerId="LiveId" clId="{EA366C6F-594E-44F5-A838-4FCB63BAA8D0}" dt="2025-11-18T10:23:02.343" v="829" actId="1076"/>
+          <ac:spMkLst>
+            <pc:docMk/>
+            <pc:sldMk cId="3741357897" sldId="256"/>
+            <ac:spMk id="33" creationId="{CF1B5803-43AA-8C94-B998-F0753DA68CDF}"/>
+          </ac:spMkLst>
+        </pc:spChg>
+        <pc:spChg chg="mod">
+          <ac:chgData name="Sagiv Levi" userId="acaf76a2d73682d4" providerId="LiveId" clId="{EA366C6F-594E-44F5-A838-4FCB63BAA8D0}" dt="2025-11-18T10:23:01.775" v="828" actId="1076"/>
+          <ac:spMkLst>
+            <pc:docMk/>
+            <pc:sldMk cId="3741357897" sldId="256"/>
+            <ac:spMk id="34" creationId="{E5338310-2CB3-BB64-E64E-99C6351EC2BD}"/>
+          </ac:spMkLst>
+        </pc:spChg>
+        <pc:picChg chg="add del mod">
+          <ac:chgData name="Sagiv Levi" userId="acaf76a2d73682d4" providerId="LiveId" clId="{EA366C6F-594E-44F5-A838-4FCB63BAA8D0}" dt="2025-11-18T10:23:27.968" v="836" actId="478"/>
+          <ac:picMkLst>
+            <pc:docMk/>
+            <pc:sldMk cId="3741357897" sldId="256"/>
+            <ac:picMk id="2" creationId="{1E2FDB9C-04E4-4C34-1274-80320A94C5BB}"/>
+          </ac:picMkLst>
+        </pc:picChg>
+        <pc:picChg chg="mod">
+          <ac:chgData name="Sagiv Levi" userId="acaf76a2d73682d4" providerId="LiveId" clId="{EA366C6F-594E-44F5-A838-4FCB63BAA8D0}" dt="2025-11-18T10:28:55.752" v="932" actId="692"/>
+          <ac:picMkLst>
+            <pc:docMk/>
+            <pc:sldMk cId="3741357897" sldId="256"/>
+            <ac:picMk id="32" creationId="{81732FBD-6C30-9A35-DE1E-0127F8740899}"/>
+          </ac:picMkLst>
+        </pc:picChg>
+        <pc:picChg chg="mod">
+          <ac:chgData name="Sagiv Levi" userId="acaf76a2d73682d4" providerId="LiveId" clId="{EA366C6F-594E-44F5-A838-4FCB63BAA8D0}" dt="2025-11-18T10:23:03.162" v="831" actId="1076"/>
+          <ac:picMkLst>
+            <pc:docMk/>
+            <pc:sldMk cId="3741357897" sldId="256"/>
+            <ac:picMk id="1050" creationId="{6B11FCFA-9422-11EB-0D92-8F5AA321E931}"/>
+          </ac:picMkLst>
+        </pc:picChg>
+      </pc:sldChg>
       <pc:sldChg chg="addSp delSp modSp mod">
         <pc:chgData name="Sagiv Levi" userId="acaf76a2d73682d4" providerId="LiveId" clId="{EA366C6F-594E-44F5-A838-4FCB63BAA8D0}" dt="2025-10-26T20:10:50.349" v="822" actId="14838"/>
         <pc:sldMkLst>
@@ -754,7 +817,7 @@
           <a:p>
             <a:fld id="{2700D25C-7774-462D-9252-D7F55B3E9211}" type="datetimeFigureOut">
               <a:rPr lang="en-IL" smtClean="0"/>
-              <a:t>26/10/2025</a:t>
+              <a:t>18/11/2025</a:t>
             </a:fld>
             <a:endParaRPr lang="en-IL"/>
           </a:p>
@@ -954,7 +1017,7 @@
           <a:p>
             <a:fld id="{2700D25C-7774-462D-9252-D7F55B3E9211}" type="datetimeFigureOut">
               <a:rPr lang="en-IL" smtClean="0"/>
-              <a:t>26/10/2025</a:t>
+              <a:t>18/11/2025</a:t>
             </a:fld>
             <a:endParaRPr lang="en-IL"/>
           </a:p>
@@ -1164,7 +1227,7 @@
           <a:p>
             <a:fld id="{2700D25C-7774-462D-9252-D7F55B3E9211}" type="datetimeFigureOut">
               <a:rPr lang="en-IL" smtClean="0"/>
-              <a:t>26/10/2025</a:t>
+              <a:t>18/11/2025</a:t>
             </a:fld>
             <a:endParaRPr lang="en-IL"/>
           </a:p>
@@ -1364,7 +1427,7 @@
           <a:p>
             <a:fld id="{2700D25C-7774-462D-9252-D7F55B3E9211}" type="datetimeFigureOut">
               <a:rPr lang="en-IL" smtClean="0"/>
-              <a:t>26/10/2025</a:t>
+              <a:t>18/11/2025</a:t>
             </a:fld>
             <a:endParaRPr lang="en-IL"/>
           </a:p>
@@ -1640,7 +1703,7 @@
           <a:p>
             <a:fld id="{2700D25C-7774-462D-9252-D7F55B3E9211}" type="datetimeFigureOut">
               <a:rPr lang="en-IL" smtClean="0"/>
-              <a:t>26/10/2025</a:t>
+              <a:t>18/11/2025</a:t>
             </a:fld>
             <a:endParaRPr lang="en-IL"/>
           </a:p>
@@ -1908,7 +1971,7 @@
           <a:p>
             <a:fld id="{2700D25C-7774-462D-9252-D7F55B3E9211}" type="datetimeFigureOut">
               <a:rPr lang="en-IL" smtClean="0"/>
-              <a:t>26/10/2025</a:t>
+              <a:t>18/11/2025</a:t>
             </a:fld>
             <a:endParaRPr lang="en-IL"/>
           </a:p>
@@ -2323,7 +2386,7 @@
           <a:p>
             <a:fld id="{2700D25C-7774-462D-9252-D7F55B3E9211}" type="datetimeFigureOut">
               <a:rPr lang="en-IL" smtClean="0"/>
-              <a:t>26/10/2025</a:t>
+              <a:t>18/11/2025</a:t>
             </a:fld>
             <a:endParaRPr lang="en-IL"/>
           </a:p>
@@ -2465,7 +2528,7 @@
           <a:p>
             <a:fld id="{2700D25C-7774-462D-9252-D7F55B3E9211}" type="datetimeFigureOut">
               <a:rPr lang="en-IL" smtClean="0"/>
-              <a:t>26/10/2025</a:t>
+              <a:t>18/11/2025</a:t>
             </a:fld>
             <a:endParaRPr lang="en-IL"/>
           </a:p>
@@ -2578,7 +2641,7 @@
           <a:p>
             <a:fld id="{2700D25C-7774-462D-9252-D7F55B3E9211}" type="datetimeFigureOut">
               <a:rPr lang="en-IL" smtClean="0"/>
-              <a:t>26/10/2025</a:t>
+              <a:t>18/11/2025</a:t>
             </a:fld>
             <a:endParaRPr lang="en-IL"/>
           </a:p>
@@ -2891,7 +2954,7 @@
           <a:p>
             <a:fld id="{2700D25C-7774-462D-9252-D7F55B3E9211}" type="datetimeFigureOut">
               <a:rPr lang="en-IL" smtClean="0"/>
-              <a:t>26/10/2025</a:t>
+              <a:t>18/11/2025</a:t>
             </a:fld>
             <a:endParaRPr lang="en-IL"/>
           </a:p>
@@ -3180,7 +3243,7 @@
           <a:p>
             <a:fld id="{2700D25C-7774-462D-9252-D7F55B3E9211}" type="datetimeFigureOut">
               <a:rPr lang="en-IL" smtClean="0"/>
-              <a:t>26/10/2025</a:t>
+              <a:t>18/11/2025</a:t>
             </a:fld>
             <a:endParaRPr lang="en-IL"/>
           </a:p>
@@ -3423,7 +3486,7 @@
           <a:p>
             <a:fld id="{2700D25C-7774-462D-9252-D7F55B3E9211}" type="datetimeFigureOut">
               <a:rPr lang="en-IL" smtClean="0"/>
-              <a:t>26/10/2025</a:t>
+              <a:t>18/11/2025</a:t>
             </a:fld>
             <a:endParaRPr lang="en-IL"/>
           </a:p>
@@ -4561,7 +4624,7 @@
             <a:pPr algn="ctr"/>
             <a:r>
               <a:rPr lang="en-US" dirty="0"/>
-              <a:t>Packets Processing Manager</a:t>
+              <a:t>Packets Processing and AI Agent</a:t>
             </a:r>
             <a:endParaRPr lang="en-IL" dirty="0"/>
           </a:p>
@@ -4877,6 +4940,18 @@
           <a:prstGeom prst="rect">
             <a:avLst/>
           </a:prstGeom>
+          <a:ln w="22225" cap="rnd" cmpd="thickThin">
+            <a:solidFill>
+              <a:srgbClr val="000000"/>
+            </a:solidFill>
+            <a:prstDash val="solid"/>
+            <a:miter lim="800000"/>
+          </a:ln>
+          <a:effectLst>
+            <a:innerShdw blurRad="76200">
+              <a:srgbClr val="000000"/>
+            </a:innerShdw>
+          </a:effectLst>
         </p:spPr>
       </p:pic>
       <p:pic>
@@ -5203,6 +5278,42 @@
           <a:p>
             <a:pPr algn="ctr"/>
             <a:endParaRPr lang="en-IL"/>
+          </a:p>
+        </p:txBody>
+      </p:sp>
+      <p:sp>
+        <p:nvSpPr>
+          <p:cNvPr id="3" name="תיבת טקסט 2">
+            <a:extLst>
+              <a:ext uri="{FF2B5EF4-FFF2-40B4-BE49-F238E27FC236}">
+                <a16:creationId xmlns:a16="http://schemas.microsoft.com/office/drawing/2014/main" id="{CE68C7B7-7E08-810D-6931-8BE3CAB47C47}"/>
+              </a:ext>
+            </a:extLst>
+          </p:cNvPr>
+          <p:cNvSpPr txBox="1"/>
+          <p:nvPr/>
+        </p:nvSpPr>
+        <p:spPr>
+          <a:xfrm>
+            <a:off x="2444624" y="736149"/>
+            <a:ext cx="1381921" cy="400110"/>
+          </a:xfrm>
+          <a:prstGeom prst="rect">
+            <a:avLst/>
+          </a:prstGeom>
+          <a:noFill/>
+        </p:spPr>
+        <p:txBody>
+          <a:bodyPr wrap="square" rtlCol="0">
+            <a:spAutoFit/>
+          </a:bodyPr>
+          <a:lstStyle/>
+          <a:p>
+            <a:r>
+              <a:rPr lang="en-US" sz="2000" dirty="0"/>
+              <a:t>vercel.app</a:t>
+            </a:r>
+            <a:endParaRPr lang="en-IL" sz="2000" dirty="0"/>
           </a:p>
         </p:txBody>
       </p:sp>
